--- a/Designs.pptx
+++ b/Designs.pptx
@@ -11,6 +11,7 @@
     <p:sldId id="261" r:id="rId5"/>
     <p:sldId id="262" r:id="rId6"/>
     <p:sldId id="263" r:id="rId7"/>
+    <p:sldId id="258" r:id="rId8"/>
   </p:sldIdLst>
   <p:sldSz cx="12192000" cy="6858000"/>
   <p:notesSz cx="6858000" cy="9144000"/>
@@ -109,11 +110,6 @@
       </a:defRPr>
     </a:lvl9pPr>
   </p:defaultTextStyle>
-  <p:extLst>
-    <p:ext uri="{EFAFB233-063F-42B5-8137-9DF3F51BA10A}">
-      <p15:sldGuideLst xmlns:p15="http://schemas.microsoft.com/office/powerpoint/2012/main"/>
-    </p:ext>
-  </p:extLst>
 </p:presentation>
 </file>
 
@@ -159,7 +155,7 @@
           </a:lstStyle>
           <a:p>
             <a:r>
-              <a:rPr lang="en-US"/>
+              <a:rPr lang="en-US" smtClean="0"/>
               <a:t>Click to edit Master title style</a:t>
             </a:r>
             <a:endParaRPr lang="en-IN"/>
@@ -224,7 +220,7 @@
           </a:lstStyle>
           <a:p>
             <a:r>
-              <a:rPr lang="en-US"/>
+              <a:rPr lang="en-US" smtClean="0"/>
               <a:t>Click to edit Master subtitle style</a:t>
             </a:r>
             <a:endParaRPr lang="en-IN"/>
@@ -248,7 +244,7 @@
           <a:p>
             <a:fld id="{229EF52D-90F3-46EC-A97E-13F5F154307A}" type="datetimeFigureOut">
               <a:rPr lang="en-IN" smtClean="0"/>
-              <a:t>27-05-2025</a:t>
+              <a:t>26-12-2021</a:t>
             </a:fld>
             <a:endParaRPr lang="en-IN"/>
           </a:p>
@@ -342,7 +338,7 @@
           <a:lstStyle/>
           <a:p>
             <a:r>
-              <a:rPr lang="en-US"/>
+              <a:rPr lang="en-US" smtClean="0"/>
               <a:t>Click to edit Master title style</a:t>
             </a:r>
             <a:endParaRPr lang="en-IN"/>
@@ -366,35 +362,35 @@
           <a:p>
             <a:pPr lvl="0"/>
             <a:r>
-              <a:rPr lang="en-US"/>
+              <a:rPr lang="en-US" smtClean="0"/>
               <a:t>Click to edit Master text styles</a:t>
             </a:r>
           </a:p>
           <a:p>
             <a:pPr lvl="1"/>
             <a:r>
-              <a:rPr lang="en-US"/>
+              <a:rPr lang="en-US" smtClean="0"/>
               <a:t>Second level</a:t>
             </a:r>
           </a:p>
           <a:p>
             <a:pPr lvl="2"/>
             <a:r>
-              <a:rPr lang="en-US"/>
+              <a:rPr lang="en-US" smtClean="0"/>
               <a:t>Third level</a:t>
             </a:r>
           </a:p>
           <a:p>
             <a:pPr lvl="3"/>
             <a:r>
-              <a:rPr lang="en-US"/>
+              <a:rPr lang="en-US" smtClean="0"/>
               <a:t>Fourth level</a:t>
             </a:r>
           </a:p>
           <a:p>
             <a:pPr lvl="4"/>
             <a:r>
-              <a:rPr lang="en-US"/>
+              <a:rPr lang="en-US" smtClean="0"/>
               <a:t>Fifth level</a:t>
             </a:r>
             <a:endParaRPr lang="en-IN"/>
@@ -418,7 +414,7 @@
           <a:p>
             <a:fld id="{229EF52D-90F3-46EC-A97E-13F5F154307A}" type="datetimeFigureOut">
               <a:rPr lang="en-IN" smtClean="0"/>
-              <a:t>27-05-2025</a:t>
+              <a:t>26-12-2021</a:t>
             </a:fld>
             <a:endParaRPr lang="en-IN"/>
           </a:p>
@@ -517,7 +513,7 @@
           <a:lstStyle/>
           <a:p>
             <a:r>
-              <a:rPr lang="en-US"/>
+              <a:rPr lang="en-US" smtClean="0"/>
               <a:t>Click to edit Master title style</a:t>
             </a:r>
             <a:endParaRPr lang="en-IN"/>
@@ -546,35 +542,35 @@
           <a:p>
             <a:pPr lvl="0"/>
             <a:r>
-              <a:rPr lang="en-US"/>
+              <a:rPr lang="en-US" smtClean="0"/>
               <a:t>Click to edit Master text styles</a:t>
             </a:r>
           </a:p>
           <a:p>
             <a:pPr lvl="1"/>
             <a:r>
-              <a:rPr lang="en-US"/>
+              <a:rPr lang="en-US" smtClean="0"/>
               <a:t>Second level</a:t>
             </a:r>
           </a:p>
           <a:p>
             <a:pPr lvl="2"/>
             <a:r>
-              <a:rPr lang="en-US"/>
+              <a:rPr lang="en-US" smtClean="0"/>
               <a:t>Third level</a:t>
             </a:r>
           </a:p>
           <a:p>
             <a:pPr lvl="3"/>
             <a:r>
-              <a:rPr lang="en-US"/>
+              <a:rPr lang="en-US" smtClean="0"/>
               <a:t>Fourth level</a:t>
             </a:r>
           </a:p>
           <a:p>
             <a:pPr lvl="4"/>
             <a:r>
-              <a:rPr lang="en-US"/>
+              <a:rPr lang="en-US" smtClean="0"/>
               <a:t>Fifth level</a:t>
             </a:r>
             <a:endParaRPr lang="en-IN"/>
@@ -598,7 +594,7 @@
           <a:p>
             <a:fld id="{229EF52D-90F3-46EC-A97E-13F5F154307A}" type="datetimeFigureOut">
               <a:rPr lang="en-IN" smtClean="0"/>
-              <a:t>27-05-2025</a:t>
+              <a:t>26-12-2021</a:t>
             </a:fld>
             <a:endParaRPr lang="en-IN"/>
           </a:p>
@@ -692,7 +688,7 @@
           <a:lstStyle/>
           <a:p>
             <a:r>
-              <a:rPr lang="en-US"/>
+              <a:rPr lang="en-US" smtClean="0"/>
               <a:t>Click to edit Master title style</a:t>
             </a:r>
             <a:endParaRPr lang="en-IN"/>
@@ -716,35 +712,35 @@
           <a:p>
             <a:pPr lvl="0"/>
             <a:r>
-              <a:rPr lang="en-US"/>
+              <a:rPr lang="en-US" smtClean="0"/>
               <a:t>Click to edit Master text styles</a:t>
             </a:r>
           </a:p>
           <a:p>
             <a:pPr lvl="1"/>
             <a:r>
-              <a:rPr lang="en-US"/>
+              <a:rPr lang="en-US" smtClean="0"/>
               <a:t>Second level</a:t>
             </a:r>
           </a:p>
           <a:p>
             <a:pPr lvl="2"/>
             <a:r>
-              <a:rPr lang="en-US"/>
+              <a:rPr lang="en-US" smtClean="0"/>
               <a:t>Third level</a:t>
             </a:r>
           </a:p>
           <a:p>
             <a:pPr lvl="3"/>
             <a:r>
-              <a:rPr lang="en-US"/>
+              <a:rPr lang="en-US" smtClean="0"/>
               <a:t>Fourth level</a:t>
             </a:r>
           </a:p>
           <a:p>
             <a:pPr lvl="4"/>
             <a:r>
-              <a:rPr lang="en-US"/>
+              <a:rPr lang="en-US" smtClean="0"/>
               <a:t>Fifth level</a:t>
             </a:r>
             <a:endParaRPr lang="en-IN"/>
@@ -768,7 +764,7 @@
           <a:p>
             <a:fld id="{229EF52D-90F3-46EC-A97E-13F5F154307A}" type="datetimeFigureOut">
               <a:rPr lang="en-IN" smtClean="0"/>
-              <a:t>27-05-2025</a:t>
+              <a:t>26-12-2021</a:t>
             </a:fld>
             <a:endParaRPr lang="en-IN"/>
           </a:p>
@@ -871,7 +867,7 @@
           </a:lstStyle>
           <a:p>
             <a:r>
-              <a:rPr lang="en-US"/>
+              <a:rPr lang="en-US" smtClean="0"/>
               <a:t>Click to edit Master title style</a:t>
             </a:r>
             <a:endParaRPr lang="en-IN"/>
@@ -991,7 +987,7 @@
           <a:p>
             <a:pPr lvl="0"/>
             <a:r>
-              <a:rPr lang="en-US"/>
+              <a:rPr lang="en-US" smtClean="0"/>
               <a:t>Click to edit Master text styles</a:t>
             </a:r>
           </a:p>
@@ -1014,7 +1010,7 @@
           <a:p>
             <a:fld id="{229EF52D-90F3-46EC-A97E-13F5F154307A}" type="datetimeFigureOut">
               <a:rPr lang="en-IN" smtClean="0"/>
-              <a:t>27-05-2025</a:t>
+              <a:t>26-12-2021</a:t>
             </a:fld>
             <a:endParaRPr lang="en-IN"/>
           </a:p>
@@ -1108,7 +1104,7 @@
           <a:lstStyle/>
           <a:p>
             <a:r>
-              <a:rPr lang="en-US"/>
+              <a:rPr lang="en-US" smtClean="0"/>
               <a:t>Click to edit Master title style</a:t>
             </a:r>
             <a:endParaRPr lang="en-IN"/>
@@ -1137,35 +1133,35 @@
           <a:p>
             <a:pPr lvl="0"/>
             <a:r>
-              <a:rPr lang="en-US"/>
+              <a:rPr lang="en-US" smtClean="0"/>
               <a:t>Click to edit Master text styles</a:t>
             </a:r>
           </a:p>
           <a:p>
             <a:pPr lvl="1"/>
             <a:r>
-              <a:rPr lang="en-US"/>
+              <a:rPr lang="en-US" smtClean="0"/>
               <a:t>Second level</a:t>
             </a:r>
           </a:p>
           <a:p>
             <a:pPr lvl="2"/>
             <a:r>
-              <a:rPr lang="en-US"/>
+              <a:rPr lang="en-US" smtClean="0"/>
               <a:t>Third level</a:t>
             </a:r>
           </a:p>
           <a:p>
             <a:pPr lvl="3"/>
             <a:r>
-              <a:rPr lang="en-US"/>
+              <a:rPr lang="en-US" smtClean="0"/>
               <a:t>Fourth level</a:t>
             </a:r>
           </a:p>
           <a:p>
             <a:pPr lvl="4"/>
             <a:r>
-              <a:rPr lang="en-US"/>
+              <a:rPr lang="en-US" smtClean="0"/>
               <a:t>Fifth level</a:t>
             </a:r>
             <a:endParaRPr lang="en-IN"/>
@@ -1194,35 +1190,35 @@
           <a:p>
             <a:pPr lvl="0"/>
             <a:r>
-              <a:rPr lang="en-US"/>
+              <a:rPr lang="en-US" smtClean="0"/>
               <a:t>Click to edit Master text styles</a:t>
             </a:r>
           </a:p>
           <a:p>
             <a:pPr lvl="1"/>
             <a:r>
-              <a:rPr lang="en-US"/>
+              <a:rPr lang="en-US" smtClean="0"/>
               <a:t>Second level</a:t>
             </a:r>
           </a:p>
           <a:p>
             <a:pPr lvl="2"/>
             <a:r>
-              <a:rPr lang="en-US"/>
+              <a:rPr lang="en-US" smtClean="0"/>
               <a:t>Third level</a:t>
             </a:r>
           </a:p>
           <a:p>
             <a:pPr lvl="3"/>
             <a:r>
-              <a:rPr lang="en-US"/>
+              <a:rPr lang="en-US" smtClean="0"/>
               <a:t>Fourth level</a:t>
             </a:r>
           </a:p>
           <a:p>
             <a:pPr lvl="4"/>
             <a:r>
-              <a:rPr lang="en-US"/>
+              <a:rPr lang="en-US" smtClean="0"/>
               <a:t>Fifth level</a:t>
             </a:r>
             <a:endParaRPr lang="en-IN"/>
@@ -1246,7 +1242,7 @@
           <a:p>
             <a:fld id="{229EF52D-90F3-46EC-A97E-13F5F154307A}" type="datetimeFigureOut">
               <a:rPr lang="en-IN" smtClean="0"/>
-              <a:t>27-05-2025</a:t>
+              <a:t>26-12-2021</a:t>
             </a:fld>
             <a:endParaRPr lang="en-IN"/>
           </a:p>
@@ -1345,7 +1341,7 @@
           <a:lstStyle/>
           <a:p>
             <a:r>
-              <a:rPr lang="en-US"/>
+              <a:rPr lang="en-US" smtClean="0"/>
               <a:t>Click to edit Master title style</a:t>
             </a:r>
             <a:endParaRPr lang="en-IN"/>
@@ -1411,7 +1407,7 @@
           <a:p>
             <a:pPr lvl="0"/>
             <a:r>
-              <a:rPr lang="en-US"/>
+              <a:rPr lang="en-US" smtClean="0"/>
               <a:t>Click to edit Master text styles</a:t>
             </a:r>
           </a:p>
@@ -1439,35 +1435,35 @@
           <a:p>
             <a:pPr lvl="0"/>
             <a:r>
-              <a:rPr lang="en-US"/>
+              <a:rPr lang="en-US" smtClean="0"/>
               <a:t>Click to edit Master text styles</a:t>
             </a:r>
           </a:p>
           <a:p>
             <a:pPr lvl="1"/>
             <a:r>
-              <a:rPr lang="en-US"/>
+              <a:rPr lang="en-US" smtClean="0"/>
               <a:t>Second level</a:t>
             </a:r>
           </a:p>
           <a:p>
             <a:pPr lvl="2"/>
             <a:r>
-              <a:rPr lang="en-US"/>
+              <a:rPr lang="en-US" smtClean="0"/>
               <a:t>Third level</a:t>
             </a:r>
           </a:p>
           <a:p>
             <a:pPr lvl="3"/>
             <a:r>
-              <a:rPr lang="en-US"/>
+              <a:rPr lang="en-US" smtClean="0"/>
               <a:t>Fourth level</a:t>
             </a:r>
           </a:p>
           <a:p>
             <a:pPr lvl="4"/>
             <a:r>
-              <a:rPr lang="en-US"/>
+              <a:rPr lang="en-US" smtClean="0"/>
               <a:t>Fifth level</a:t>
             </a:r>
             <a:endParaRPr lang="en-IN"/>
@@ -1533,7 +1529,7 @@
           <a:p>
             <a:pPr lvl="0"/>
             <a:r>
-              <a:rPr lang="en-US"/>
+              <a:rPr lang="en-US" smtClean="0"/>
               <a:t>Click to edit Master text styles</a:t>
             </a:r>
           </a:p>
@@ -1561,35 +1557,35 @@
           <a:p>
             <a:pPr lvl="0"/>
             <a:r>
-              <a:rPr lang="en-US"/>
+              <a:rPr lang="en-US" smtClean="0"/>
               <a:t>Click to edit Master text styles</a:t>
             </a:r>
           </a:p>
           <a:p>
             <a:pPr lvl="1"/>
             <a:r>
-              <a:rPr lang="en-US"/>
+              <a:rPr lang="en-US" smtClean="0"/>
               <a:t>Second level</a:t>
             </a:r>
           </a:p>
           <a:p>
             <a:pPr lvl="2"/>
             <a:r>
-              <a:rPr lang="en-US"/>
+              <a:rPr lang="en-US" smtClean="0"/>
               <a:t>Third level</a:t>
             </a:r>
           </a:p>
           <a:p>
             <a:pPr lvl="3"/>
             <a:r>
-              <a:rPr lang="en-US"/>
+              <a:rPr lang="en-US" smtClean="0"/>
               <a:t>Fourth level</a:t>
             </a:r>
           </a:p>
           <a:p>
             <a:pPr lvl="4"/>
             <a:r>
-              <a:rPr lang="en-US"/>
+              <a:rPr lang="en-US" smtClean="0"/>
               <a:t>Fifth level</a:t>
             </a:r>
             <a:endParaRPr lang="en-IN"/>
@@ -1613,7 +1609,7 @@
           <a:p>
             <a:fld id="{229EF52D-90F3-46EC-A97E-13F5F154307A}" type="datetimeFigureOut">
               <a:rPr lang="en-IN" smtClean="0"/>
-              <a:t>27-05-2025</a:t>
+              <a:t>26-12-2021</a:t>
             </a:fld>
             <a:endParaRPr lang="en-IN"/>
           </a:p>
@@ -1707,7 +1703,7 @@
           <a:lstStyle/>
           <a:p>
             <a:r>
-              <a:rPr lang="en-US"/>
+              <a:rPr lang="en-US" smtClean="0"/>
               <a:t>Click to edit Master title style</a:t>
             </a:r>
             <a:endParaRPr lang="en-IN"/>
@@ -1731,7 +1727,7 @@
           <a:p>
             <a:fld id="{229EF52D-90F3-46EC-A97E-13F5F154307A}" type="datetimeFigureOut">
               <a:rPr lang="en-IN" smtClean="0"/>
-              <a:t>27-05-2025</a:t>
+              <a:t>26-12-2021</a:t>
             </a:fld>
             <a:endParaRPr lang="en-IN"/>
           </a:p>
@@ -1826,7 +1822,7 @@
           <a:p>
             <a:fld id="{229EF52D-90F3-46EC-A97E-13F5F154307A}" type="datetimeFigureOut">
               <a:rPr lang="en-IN" smtClean="0"/>
-              <a:t>27-05-2025</a:t>
+              <a:t>26-12-2021</a:t>
             </a:fld>
             <a:endParaRPr lang="en-IN"/>
           </a:p>
@@ -1929,7 +1925,7 @@
           </a:lstStyle>
           <a:p>
             <a:r>
-              <a:rPr lang="en-US"/>
+              <a:rPr lang="en-US" smtClean="0"/>
               <a:t>Click to edit Master title style</a:t>
             </a:r>
             <a:endParaRPr lang="en-IN"/>
@@ -1986,35 +1982,35 @@
           <a:p>
             <a:pPr lvl="0"/>
             <a:r>
-              <a:rPr lang="en-US"/>
+              <a:rPr lang="en-US" smtClean="0"/>
               <a:t>Click to edit Master text styles</a:t>
             </a:r>
           </a:p>
           <a:p>
             <a:pPr lvl="1"/>
             <a:r>
-              <a:rPr lang="en-US"/>
+              <a:rPr lang="en-US" smtClean="0"/>
               <a:t>Second level</a:t>
             </a:r>
           </a:p>
           <a:p>
             <a:pPr lvl="2"/>
             <a:r>
-              <a:rPr lang="en-US"/>
+              <a:rPr lang="en-US" smtClean="0"/>
               <a:t>Third level</a:t>
             </a:r>
           </a:p>
           <a:p>
             <a:pPr lvl="3"/>
             <a:r>
-              <a:rPr lang="en-US"/>
+              <a:rPr lang="en-US" smtClean="0"/>
               <a:t>Fourth level</a:t>
             </a:r>
           </a:p>
           <a:p>
             <a:pPr lvl="4"/>
             <a:r>
-              <a:rPr lang="en-US"/>
+              <a:rPr lang="en-US" smtClean="0"/>
               <a:t>Fifth level</a:t>
             </a:r>
             <a:endParaRPr lang="en-IN"/>
@@ -2080,7 +2076,7 @@
           <a:p>
             <a:pPr lvl="0"/>
             <a:r>
-              <a:rPr lang="en-US"/>
+              <a:rPr lang="en-US" smtClean="0"/>
               <a:t>Click to edit Master text styles</a:t>
             </a:r>
           </a:p>
@@ -2103,7 +2099,7 @@
           <a:p>
             <a:fld id="{229EF52D-90F3-46EC-A97E-13F5F154307A}" type="datetimeFigureOut">
               <a:rPr lang="en-IN" smtClean="0"/>
-              <a:t>27-05-2025</a:t>
+              <a:t>26-12-2021</a:t>
             </a:fld>
             <a:endParaRPr lang="en-IN"/>
           </a:p>
@@ -2206,7 +2202,7 @@
           </a:lstStyle>
           <a:p>
             <a:r>
-              <a:rPr lang="en-US"/>
+              <a:rPr lang="en-US" smtClean="0"/>
               <a:t>Click to edit Master title style</a:t>
             </a:r>
             <a:endParaRPr lang="en-IN"/>
@@ -2333,7 +2329,7 @@
           <a:p>
             <a:pPr lvl="0"/>
             <a:r>
-              <a:rPr lang="en-US"/>
+              <a:rPr lang="en-US" smtClean="0"/>
               <a:t>Click to edit Master text styles</a:t>
             </a:r>
           </a:p>
@@ -2356,7 +2352,7 @@
           <a:p>
             <a:fld id="{229EF52D-90F3-46EC-A97E-13F5F154307A}" type="datetimeFigureOut">
               <a:rPr lang="en-IN" smtClean="0"/>
-              <a:t>27-05-2025</a:t>
+              <a:t>26-12-2021</a:t>
             </a:fld>
             <a:endParaRPr lang="en-IN"/>
           </a:p>
@@ -2465,7 +2461,7 @@
           <a:lstStyle/>
           <a:p>
             <a:r>
-              <a:rPr lang="en-US"/>
+              <a:rPr lang="en-US" smtClean="0"/>
               <a:t>Click to edit Master title style</a:t>
             </a:r>
             <a:endParaRPr lang="en-IN"/>
@@ -2499,35 +2495,35 @@
           <a:p>
             <a:pPr lvl="0"/>
             <a:r>
-              <a:rPr lang="en-US"/>
+              <a:rPr lang="en-US" smtClean="0"/>
               <a:t>Click to edit Master text styles</a:t>
             </a:r>
           </a:p>
           <a:p>
             <a:pPr lvl="1"/>
             <a:r>
-              <a:rPr lang="en-US"/>
+              <a:rPr lang="en-US" smtClean="0"/>
               <a:t>Second level</a:t>
             </a:r>
           </a:p>
           <a:p>
             <a:pPr lvl="2"/>
             <a:r>
-              <a:rPr lang="en-US"/>
+              <a:rPr lang="en-US" smtClean="0"/>
               <a:t>Third level</a:t>
             </a:r>
           </a:p>
           <a:p>
             <a:pPr lvl="3"/>
             <a:r>
-              <a:rPr lang="en-US"/>
+              <a:rPr lang="en-US" smtClean="0"/>
               <a:t>Fourth level</a:t>
             </a:r>
           </a:p>
           <a:p>
             <a:pPr lvl="4"/>
             <a:r>
-              <a:rPr lang="en-US"/>
+              <a:rPr lang="en-US" smtClean="0"/>
               <a:t>Fifth level</a:t>
             </a:r>
             <a:endParaRPr lang="en-IN"/>
@@ -2569,7 +2565,7 @@
           <a:p>
             <a:fld id="{229EF52D-90F3-46EC-A97E-13F5F154307A}" type="datetimeFigureOut">
               <a:rPr lang="en-IN" smtClean="0"/>
-              <a:t>27-05-2025</a:t>
+              <a:t>26-12-2021</a:t>
             </a:fld>
             <a:endParaRPr lang="en-IN"/>
           </a:p>
@@ -3520,7 +3516,7 @@
           <a:lstStyle/>
           <a:p>
             <a:r>
-              <a:rPr lang="en-US" sz="1200" b="1" dirty="0">
+              <a:rPr lang="en-US" sz="1200" b="1" dirty="0" smtClean="0">
                 <a:solidFill>
                   <a:schemeClr val="accent5">
                     <a:lumMod val="50000"/>
@@ -3564,7 +3560,7 @@
           <a:lstStyle/>
           <a:p>
             <a:r>
-              <a:rPr lang="en-US" sz="1200" b="1" dirty="0">
+              <a:rPr lang="en-US" sz="1200" b="1" dirty="0" smtClean="0">
                 <a:solidFill>
                   <a:schemeClr val="accent5">
                     <a:lumMod val="50000"/>
@@ -3608,7 +3604,7 @@
           <a:lstStyle/>
           <a:p>
             <a:r>
-              <a:rPr lang="en-US" sz="1200" b="1" dirty="0">
+              <a:rPr lang="en-US" sz="1200" b="1" dirty="0" smtClean="0">
                 <a:solidFill>
                   <a:schemeClr val="accent5">
                     <a:lumMod val="50000"/>
@@ -3652,7 +3648,7 @@
           <a:lstStyle/>
           <a:p>
             <a:r>
-              <a:rPr lang="en-US" sz="1200" b="1" dirty="0">
+              <a:rPr lang="en-US" sz="1200" b="1" dirty="0" smtClean="0">
                 <a:solidFill>
                   <a:schemeClr val="accent5">
                     <a:lumMod val="50000"/>
@@ -3696,7 +3692,7 @@
           <a:lstStyle/>
           <a:p>
             <a:r>
-              <a:rPr lang="en-US" sz="1200" b="1" dirty="0">
+              <a:rPr lang="en-US" sz="1200" b="1" dirty="0" smtClean="0">
                 <a:solidFill>
                   <a:schemeClr val="accent5">
                     <a:lumMod val="50000"/>
@@ -3740,7 +3736,7 @@
           <a:lstStyle/>
           <a:p>
             <a:r>
-              <a:rPr lang="en-US" sz="1200" b="1" dirty="0">
+              <a:rPr lang="en-US" sz="1200" b="1" dirty="0" smtClean="0">
                 <a:solidFill>
                   <a:schemeClr val="accent5">
                     <a:lumMod val="50000"/>
@@ -3784,7 +3780,7 @@
           <a:lstStyle/>
           <a:p>
             <a:r>
-              <a:rPr lang="en-US" sz="1200" b="1" dirty="0">
+              <a:rPr lang="en-US" sz="1200" b="1" dirty="0" smtClean="0">
                 <a:solidFill>
                   <a:schemeClr val="accent5">
                     <a:lumMod val="50000"/>
@@ -3835,7 +3831,7 @@
           <a:lstStyle/>
           <a:p>
             <a:r>
-              <a:rPr lang="en-US" sz="1200" b="1" dirty="0">
+              <a:rPr lang="en-US" sz="1200" b="1" dirty="0" smtClean="0">
                 <a:solidFill>
                   <a:schemeClr val="bg1"/>
                 </a:solidFill>
@@ -3875,7 +3871,7 @@
           <a:lstStyle/>
           <a:p>
             <a:r>
-              <a:rPr lang="en-US" sz="1200" b="1" dirty="0">
+              <a:rPr lang="en-US" sz="1200" b="1" dirty="0" smtClean="0">
                 <a:solidFill>
                   <a:schemeClr val="accent5">
                     <a:lumMod val="50000"/>
@@ -4286,7 +4282,7 @@
           <a:lstStyle/>
           <a:p>
             <a:r>
-              <a:rPr lang="en-US" sz="1200" b="1" dirty="0">
+              <a:rPr lang="en-US" sz="1200" b="1" dirty="0" smtClean="0">
                 <a:solidFill>
                   <a:schemeClr val="accent5">
                     <a:lumMod val="50000"/>
@@ -4330,7 +4326,7 @@
           <a:lstStyle/>
           <a:p>
             <a:r>
-              <a:rPr lang="en-US" sz="1200" b="1" dirty="0">
+              <a:rPr lang="en-US" sz="1200" b="1" dirty="0" smtClean="0">
                 <a:solidFill>
                   <a:schemeClr val="accent5">
                     <a:lumMod val="50000"/>
@@ -4377,7 +4373,7 @@
           <a:lstStyle/>
           <a:p>
             <a:r>
-              <a:rPr lang="en-US" sz="1200" b="1" dirty="0">
+              <a:rPr lang="en-US" sz="1200" b="1" dirty="0" smtClean="0">
                 <a:solidFill>
                   <a:srgbClr val="002060"/>
                 </a:solidFill>
@@ -4417,7 +4413,7 @@
           <a:lstStyle/>
           <a:p>
             <a:r>
-              <a:rPr lang="en-US" sz="1200" b="1" dirty="0">
+              <a:rPr lang="en-US" sz="1200" b="1" dirty="0" smtClean="0">
                 <a:solidFill>
                   <a:schemeClr val="accent5">
                     <a:lumMod val="50000"/>
@@ -4678,7 +4674,7 @@
           <a:lstStyle/>
           <a:p>
             <a:r>
-              <a:rPr lang="en-US" sz="1200" b="1" dirty="0">
+              <a:rPr lang="en-US" sz="1200" b="1" dirty="0" smtClean="0">
                 <a:solidFill>
                   <a:schemeClr val="accent5">
                     <a:lumMod val="50000"/>
@@ -4722,7 +4718,7 @@
           <a:lstStyle/>
           <a:p>
             <a:r>
-              <a:rPr lang="en-US" sz="1200" b="1" dirty="0">
+              <a:rPr lang="en-US" sz="1200" b="1" dirty="0" smtClean="0">
                 <a:solidFill>
                   <a:schemeClr val="accent5">
                     <a:lumMod val="50000"/>
@@ -4769,7 +4765,7 @@
           <a:lstStyle/>
           <a:p>
             <a:r>
-              <a:rPr lang="en-US" sz="1200" b="1" dirty="0">
+              <a:rPr lang="en-US" sz="1200" b="1" dirty="0" smtClean="0">
                 <a:solidFill>
                   <a:srgbClr val="002060"/>
                 </a:solidFill>
@@ -4809,7 +4805,7 @@
           <a:lstStyle/>
           <a:p>
             <a:r>
-              <a:rPr lang="en-US" sz="1200" b="1" dirty="0">
+              <a:rPr lang="en-US" sz="1200" b="1" dirty="0" smtClean="0">
                 <a:solidFill>
                   <a:schemeClr val="accent5">
                     <a:lumMod val="50000"/>
@@ -5214,7 +5210,7 @@
           <a:lstStyle/>
           <a:p>
             <a:r>
-              <a:rPr lang="en-US" sz="1200" b="1" dirty="0">
+              <a:rPr lang="en-US" sz="1200" b="1" dirty="0" smtClean="0">
                 <a:solidFill>
                   <a:schemeClr val="accent5">
                     <a:lumMod val="50000"/>
@@ -5259,7 +5255,7 @@
           <a:p>
             <a:pPr algn="ctr"/>
             <a:r>
-              <a:rPr lang="en-US" sz="1200" b="1" dirty="0">
+              <a:rPr lang="en-US" sz="1200" b="1" dirty="0" smtClean="0">
                 <a:solidFill>
                   <a:schemeClr val="accent5">
                     <a:lumMod val="50000"/>
@@ -5399,7 +5395,7 @@
           <a:lstStyle/>
           <a:p>
             <a:r>
-              <a:rPr lang="en-US" sz="1200" b="1" dirty="0">
+              <a:rPr lang="en-US" sz="1200" b="1" dirty="0" smtClean="0">
                 <a:solidFill>
                   <a:schemeClr val="accent5">
                     <a:lumMod val="50000"/>
@@ -5444,7 +5440,7 @@
           <a:p>
             <a:pPr algn="ctr"/>
             <a:r>
-              <a:rPr lang="en-US" sz="1200" b="1" dirty="0">
+              <a:rPr lang="en-US" sz="1200" b="1" dirty="0" smtClean="0">
                 <a:solidFill>
                   <a:schemeClr val="accent5">
                     <a:lumMod val="50000"/>
@@ -5615,7 +5611,7 @@
           <a:p>
             <a:pPr algn="ctr"/>
             <a:r>
-              <a:rPr lang="en-US" sz="1200" b="1" dirty="0">
+              <a:rPr lang="en-US" sz="1200" b="1" dirty="0" smtClean="0">
                 <a:solidFill>
                   <a:schemeClr val="accent5">
                     <a:lumMod val="50000"/>
@@ -5660,7 +5656,7 @@
           <a:p>
             <a:pPr algn="ctr"/>
             <a:r>
-              <a:rPr lang="en-US" sz="1200" b="1" dirty="0">
+              <a:rPr lang="en-US" sz="1200" b="1" dirty="0" smtClean="0">
                 <a:solidFill>
                   <a:schemeClr val="accent5">
                     <a:lumMod val="50000"/>
@@ -5879,7 +5875,7 @@
           <a:p>
             <a:pPr algn="ctr"/>
             <a:r>
-              <a:rPr lang="en-US" sz="2800" b="1" dirty="0">
+              <a:rPr lang="en-US" sz="2800" b="1" dirty="0" smtClean="0">
                 <a:solidFill>
                   <a:srgbClr val="002060"/>
                 </a:solidFill>
@@ -5941,7 +5937,7 @@
           <a:p>
             <a:pPr algn="ctr"/>
             <a:r>
-              <a:rPr lang="en-US" b="1" dirty="0">
+              <a:rPr lang="en-US" b="1" dirty="0" smtClean="0">
                 <a:latin typeface="Bahnschrift" panose="020B0502040204020203" pitchFamily="34" charset="0"/>
               </a:rPr>
               <a:t>LOAN DEPOSIT</a:t>
@@ -5997,7 +5993,7 @@
           <a:p>
             <a:pPr algn="ctr"/>
             <a:r>
-              <a:rPr lang="en-US" b="1" dirty="0">
+              <a:rPr lang="en-US" b="1" dirty="0" smtClean="0">
                 <a:latin typeface="Bahnschrift" panose="020B0502040204020203" pitchFamily="34" charset="0"/>
               </a:rPr>
               <a:t>DEPOSIT ANALYSIS</a:t>
@@ -6053,7 +6049,7 @@
           <a:p>
             <a:pPr algn="ctr"/>
             <a:r>
-              <a:rPr lang="en-US" b="1" dirty="0">
+              <a:rPr lang="en-US" b="1" dirty="0" smtClean="0">
                 <a:latin typeface="Bahnschrift" panose="020B0502040204020203" pitchFamily="34" charset="0"/>
               </a:rPr>
               <a:t>SUMMARY</a:t>
@@ -6641,7 +6637,7 @@
           <a:p>
             <a:pPr algn="ctr"/>
             <a:r>
-              <a:rPr lang="en-US" sz="1200" b="1" dirty="0">
+              <a:rPr lang="en-US" sz="1200" b="1" dirty="0" smtClean="0">
                 <a:solidFill>
                   <a:schemeClr val="accent5">
                     <a:lumMod val="50000"/>
@@ -6686,7 +6682,7 @@
           <a:p>
             <a:pPr algn="ctr"/>
             <a:r>
-              <a:rPr lang="en-US" sz="1200" b="1" dirty="0">
+              <a:rPr lang="en-US" sz="1200" b="1" dirty="0" smtClean="0">
                 <a:solidFill>
                   <a:schemeClr val="accent5">
                     <a:lumMod val="50000"/>
@@ -6731,7 +6727,7 @@
           <a:p>
             <a:pPr algn="ctr"/>
             <a:r>
-              <a:rPr lang="en-US" sz="1200" b="1" dirty="0">
+              <a:rPr lang="en-US" sz="1200" b="1" dirty="0" smtClean="0">
                 <a:solidFill>
                   <a:schemeClr val="accent5">
                     <a:lumMod val="50000"/>
@@ -6776,7 +6772,7 @@
           <a:p>
             <a:pPr algn="ctr"/>
             <a:r>
-              <a:rPr lang="en-US" sz="1200" b="1" dirty="0">
+              <a:rPr lang="en-US" sz="1200" b="1" dirty="0" smtClean="0">
                 <a:solidFill>
                   <a:schemeClr val="accent5">
                     <a:lumMod val="50000"/>
@@ -6820,7 +6816,7 @@
           <a:lstStyle/>
           <a:p>
             <a:r>
-              <a:rPr lang="en-US" sz="1200" b="1" dirty="0">
+              <a:rPr lang="en-US" sz="1200" b="1" dirty="0" smtClean="0">
                 <a:solidFill>
                   <a:schemeClr val="accent5">
                     <a:lumMod val="50000"/>
@@ -6875,7 +6871,7 @@
           <a:lstStyle/>
           <a:p>
             <a:r>
-              <a:rPr lang="en-US" sz="1200" b="1" dirty="0">
+              <a:rPr lang="en-US" sz="1200" b="1" dirty="0" smtClean="0">
                 <a:solidFill>
                   <a:schemeClr val="bg1"/>
                 </a:solidFill>
@@ -6920,7 +6916,7 @@
           <a:lstStyle/>
           <a:p>
             <a:r>
-              <a:rPr lang="en-US" sz="1200" b="1" dirty="0">
+              <a:rPr lang="en-US" sz="1200" b="1" dirty="0" smtClean="0">
                 <a:solidFill>
                   <a:srgbClr val="002060"/>
                 </a:solidFill>
@@ -6960,7 +6956,7 @@
           <a:lstStyle/>
           <a:p>
             <a:r>
-              <a:rPr lang="en-US" sz="1200" b="1" dirty="0">
+              <a:rPr lang="en-US" sz="1200" b="1" dirty="0" smtClean="0">
                 <a:solidFill>
                   <a:schemeClr val="accent5">
                     <a:lumMod val="50000"/>
@@ -7342,7 +7338,7 @@
           <a:p>
             <a:pPr algn="ctr"/>
             <a:r>
-              <a:rPr lang="en-US" sz="1400" b="1" dirty="0">
+              <a:rPr lang="en-US" sz="1400" b="1" dirty="0" smtClean="0">
                 <a:solidFill>
                   <a:schemeClr val="accent5">
                     <a:lumMod val="50000"/>
@@ -7386,7 +7382,7 @@
           <a:lstStyle/>
           <a:p>
             <a:r>
-              <a:rPr lang="en-US" sz="1200" b="1" dirty="0">
+              <a:rPr lang="en-US" sz="1200" b="1" dirty="0" smtClean="0">
                 <a:solidFill>
                   <a:schemeClr val="accent5">
                     <a:lumMod val="50000"/>
@@ -7437,7 +7433,7 @@
           <a:lstStyle/>
           <a:p>
             <a:r>
-              <a:rPr lang="en-US" sz="1200" b="1" dirty="0">
+              <a:rPr lang="en-US" sz="1200" b="1" dirty="0" smtClean="0">
                 <a:solidFill>
                   <a:schemeClr val="accent5">
                     <a:lumMod val="50000"/>
@@ -7486,7 +7482,7 @@
           <a:lstStyle/>
           <a:p>
             <a:r>
-              <a:rPr lang="en-US" sz="1200" b="1" dirty="0">
+              <a:rPr lang="en-US" sz="1200" b="1" dirty="0" smtClean="0">
                 <a:solidFill>
                   <a:srgbClr val="002060"/>
                 </a:solidFill>
@@ -7537,7 +7533,7 @@
           <a:lstStyle/>
           <a:p>
             <a:r>
-              <a:rPr lang="en-US" sz="1200" b="1" dirty="0">
+              <a:rPr lang="en-US" sz="1200" b="1" dirty="0" smtClean="0">
                 <a:solidFill>
                   <a:schemeClr val="bg1"/>
                 </a:solidFill>
@@ -8106,7 +8102,7 @@
           <a:p>
             <a:pPr algn="ctr"/>
             <a:r>
-              <a:rPr lang="en-US" sz="1400" b="1" dirty="0">
+              <a:rPr lang="en-US" sz="1400" b="1" dirty="0" smtClean="0">
                 <a:solidFill>
                   <a:schemeClr val="accent5">
                     <a:lumMod val="50000"/>
@@ -8151,7 +8147,7 @@
           <a:p>
             <a:pPr algn="ctr"/>
             <a:r>
-              <a:rPr lang="en-US" sz="1400" b="1" dirty="0">
+              <a:rPr lang="en-US" sz="1400" b="1" dirty="0" smtClean="0">
                 <a:solidFill>
                   <a:schemeClr val="accent5">
                     <a:lumMod val="50000"/>
@@ -8196,7 +8192,7 @@
           <a:p>
             <a:pPr algn="ctr"/>
             <a:r>
-              <a:rPr lang="en-US" sz="1400" b="1" dirty="0">
+              <a:rPr lang="en-US" sz="1400" b="1" dirty="0" smtClean="0">
                 <a:solidFill>
                   <a:schemeClr val="accent5">
                     <a:lumMod val="50000"/>
@@ -8241,7 +8237,7 @@
           <a:p>
             <a:pPr algn="ctr"/>
             <a:r>
-              <a:rPr lang="en-US" sz="1400" b="1" dirty="0">
+              <a:rPr lang="en-US" sz="1400" b="1" dirty="0" smtClean="0">
                 <a:solidFill>
                   <a:schemeClr val="accent5">
                     <a:lumMod val="50000"/>
@@ -8286,7 +8282,7 @@
           <a:p>
             <a:pPr algn="ctr"/>
             <a:r>
-              <a:rPr lang="en-US" sz="1400" b="1" dirty="0">
+              <a:rPr lang="en-US" sz="1400" b="1" dirty="0" smtClean="0">
                 <a:solidFill>
                   <a:schemeClr val="accent5">
                     <a:lumMod val="50000"/>
@@ -8331,7 +8327,7 @@
           <a:p>
             <a:pPr algn="ctr"/>
             <a:r>
-              <a:rPr lang="en-US" sz="1400" b="1" dirty="0">
+              <a:rPr lang="en-US" sz="1400" b="1" dirty="0" smtClean="0">
                 <a:solidFill>
                   <a:schemeClr val="accent5">
                     <a:lumMod val="50000"/>
@@ -8376,7 +8372,7 @@
           <a:p>
             <a:pPr algn="ctr"/>
             <a:r>
-              <a:rPr lang="en-US" sz="1400" b="1" dirty="0">
+              <a:rPr lang="en-US" sz="1400" b="1" dirty="0" smtClean="0">
                 <a:solidFill>
                   <a:schemeClr val="accent5">
                     <a:lumMod val="50000"/>
@@ -8421,7 +8417,7 @@
           <a:p>
             <a:pPr algn="ctr"/>
             <a:r>
-              <a:rPr lang="en-US" sz="1400" b="1" dirty="0">
+              <a:rPr lang="en-US" sz="1400" b="1" dirty="0" smtClean="0">
                 <a:solidFill>
                   <a:schemeClr val="accent5">
                     <a:lumMod val="50000"/>
@@ -8466,7 +8462,7 @@
           <a:p>
             <a:pPr algn="ctr"/>
             <a:r>
-              <a:rPr lang="en-US" sz="1400" b="1" dirty="0">
+              <a:rPr lang="en-US" sz="1400" b="1" dirty="0" smtClean="0">
                 <a:solidFill>
                   <a:schemeClr val="accent5">
                     <a:lumMod val="50000"/>
@@ -8511,7 +8507,7 @@
           <a:p>
             <a:pPr algn="ctr"/>
             <a:r>
-              <a:rPr lang="en-US" sz="1400" b="1" dirty="0">
+              <a:rPr lang="en-US" sz="1400" b="1" dirty="0" smtClean="0">
                 <a:solidFill>
                   <a:schemeClr val="accent5">
                     <a:lumMod val="50000"/>
@@ -8556,7 +8552,7 @@
           <a:p>
             <a:pPr algn="ctr"/>
             <a:r>
-              <a:rPr lang="en-US" sz="1400" b="1" dirty="0">
+              <a:rPr lang="en-US" sz="1400" b="1" dirty="0" smtClean="0">
                 <a:solidFill>
                   <a:schemeClr val="accent5">
                     <a:lumMod val="50000"/>
@@ -8941,6 +8937,78 @@
     <p:extLst>
       <p:ext uri="{BB962C8B-B14F-4D97-AF65-F5344CB8AC3E}">
         <p14:creationId xmlns:p14="http://schemas.microsoft.com/office/powerpoint/2010/main" val="3572086413"/>
+      </p:ext>
+    </p:extLst>
+  </p:cSld>
+  <p:clrMapOvr>
+    <a:masterClrMapping/>
+  </p:clrMapOvr>
+</p:sld>
+</file>
+
+<file path=ppt/slides/slide7.xml><?xml version="1.0" encoding="utf-8"?>
+<p:sld xmlns:a="http://schemas.openxmlformats.org/drawingml/2006/main" xmlns:r="http://schemas.openxmlformats.org/officeDocument/2006/relationships" xmlns:p="http://schemas.openxmlformats.org/presentationml/2006/main">
+  <p:cSld>
+    <p:spTree>
+      <p:nvGrpSpPr>
+        <p:cNvPr id="1" name=""/>
+        <p:cNvGrpSpPr/>
+        <p:nvPr/>
+      </p:nvGrpSpPr>
+      <p:grpSpPr>
+        <a:xfrm>
+          <a:off x="0" y="0"/>
+          <a:ext cx="0" cy="0"/>
+          <a:chOff x="0" y="0"/>
+          <a:chExt cx="0" cy="0"/>
+        </a:xfrm>
+      </p:grpSpPr>
+      <p:sp>
+        <p:nvSpPr>
+          <p:cNvPr id="2" name="Title 1"/>
+          <p:cNvSpPr>
+            <a:spLocks noGrp="1"/>
+          </p:cNvSpPr>
+          <p:nvPr>
+            <p:ph type="ctrTitle"/>
+          </p:nvPr>
+        </p:nvSpPr>
+        <p:spPr/>
+        <p:txBody>
+          <a:bodyPr/>
+          <a:lstStyle/>
+          <a:p>
+            <a:r>
+              <a:rPr lang="en-IN" dirty="0" smtClean="0"/>
+              <a:t>0b4271</a:t>
+            </a:r>
+            <a:endParaRPr lang="en-IN" dirty="0"/>
+          </a:p>
+        </p:txBody>
+      </p:sp>
+      <p:sp>
+        <p:nvSpPr>
+          <p:cNvPr id="3" name="Subtitle 2"/>
+          <p:cNvSpPr>
+            <a:spLocks noGrp="1"/>
+          </p:cNvSpPr>
+          <p:nvPr>
+            <p:ph type="subTitle" idx="1"/>
+          </p:nvPr>
+        </p:nvSpPr>
+        <p:spPr/>
+        <p:txBody>
+          <a:bodyPr/>
+          <a:lstStyle/>
+          <a:p>
+            <a:endParaRPr lang="en-IN"/>
+          </a:p>
+        </p:txBody>
+      </p:sp>
+    </p:spTree>
+    <p:extLst>
+      <p:ext uri="{BB962C8B-B14F-4D97-AF65-F5344CB8AC3E}">
+        <p14:creationId xmlns:p14="http://schemas.microsoft.com/office/powerpoint/2010/main" val="3562578491"/>
       </p:ext>
     </p:extLst>
   </p:cSld>
